--- a/semester 5/sensors_and_actuators/saa_2_dynamic_characteristics.pptx
+++ b/semester 5/sensors_and_actuators/saa_2_dynamic_characteristics.pptx
@@ -2949,7 +2949,7 @@
           <a:p>
             <a:fld id="{46697828-BD99-4EE4-B248-B6544F3D4165}" type="datetimeFigureOut">
               <a:rPr lang="en-CH" smtClean="0"/>
-              <a:t>18/12/2023</a:t>
+              <a:t>04/01/2024</a:t>
             </a:fld>
             <a:endParaRPr lang="en-CH"/>
           </a:p>
@@ -5725,7 +5725,7 @@
             <a:fld id="{5EC0B375-6A40-43D7-83C5-47D26144B495}" type="datetimeFigureOut">
               <a:rPr lang="en-CH" smtClean="0"/>
               <a:pPr/>
-              <a:t>18/12/2023</a:t>
+              <a:t>04/01/2024</a:t>
             </a:fld>
             <a:endParaRPr lang="en-CH"/>
           </a:p>
@@ -5932,7 +5932,7 @@
             <a:fld id="{5EC0B375-6A40-43D7-83C5-47D26144B495}" type="datetimeFigureOut">
               <a:rPr lang="en-CH" smtClean="0"/>
               <a:pPr/>
-              <a:t>18/12/2023</a:t>
+              <a:t>04/01/2024</a:t>
             </a:fld>
             <a:endParaRPr lang="en-CH"/>
           </a:p>
@@ -6139,7 +6139,7 @@
             <a:fld id="{5EC0B375-6A40-43D7-83C5-47D26144B495}" type="datetimeFigureOut">
               <a:rPr lang="en-CH" smtClean="0"/>
               <a:pPr/>
-              <a:t>18/12/2023</a:t>
+              <a:t>04/01/2024</a:t>
             </a:fld>
             <a:endParaRPr lang="en-CH"/>
           </a:p>
@@ -6430,7 +6430,7 @@
             <a:fld id="{5EC0B375-6A40-43D7-83C5-47D26144B495}" type="datetimeFigureOut">
               <a:rPr lang="en-CH" smtClean="0"/>
               <a:pPr/>
-              <a:t>18/12/2023</a:t>
+              <a:t>04/01/2024</a:t>
             </a:fld>
             <a:endParaRPr lang="en-CH"/>
           </a:p>
@@ -6700,7 +6700,7 @@
             <a:fld id="{5EC0B375-6A40-43D7-83C5-47D26144B495}" type="datetimeFigureOut">
               <a:rPr lang="en-CH" smtClean="0"/>
               <a:pPr/>
-              <a:t>18/12/2023</a:t>
+              <a:t>04/01/2024</a:t>
             </a:fld>
             <a:endParaRPr lang="en-CH"/>
           </a:p>
@@ -6844,7 +6844,7 @@
             <a:fld id="{5EC0B375-6A40-43D7-83C5-47D26144B495}" type="datetimeFigureOut">
               <a:rPr lang="en-CH" smtClean="0"/>
               <a:pPr/>
-              <a:t>18/12/2023</a:t>
+              <a:t>04/01/2024</a:t>
             </a:fld>
             <a:endParaRPr lang="en-CH"/>
           </a:p>
@@ -7051,7 +7051,7 @@
             <a:fld id="{5EC0B375-6A40-43D7-83C5-47D26144B495}" type="datetimeFigureOut">
               <a:rPr lang="en-CH" smtClean="0"/>
               <a:pPr/>
-              <a:t>18/12/2023</a:t>
+              <a:t>04/01/2024</a:t>
             </a:fld>
             <a:endParaRPr lang="en-CH"/>
           </a:p>
@@ -7258,7 +7258,7 @@
             <a:fld id="{5EC0B375-6A40-43D7-83C5-47D26144B495}" type="datetimeFigureOut">
               <a:rPr lang="en-CH" smtClean="0"/>
               <a:pPr/>
-              <a:t>18/12/2023</a:t>
+              <a:t>04/01/2024</a:t>
             </a:fld>
             <a:endParaRPr lang="en-CH"/>
           </a:p>
@@ -7549,7 +7549,7 @@
             <a:fld id="{5EC0B375-6A40-43D7-83C5-47D26144B495}" type="datetimeFigureOut">
               <a:rPr lang="en-CH" smtClean="0"/>
               <a:pPr/>
-              <a:t>18/12/2023</a:t>
+              <a:t>04/01/2024</a:t>
             </a:fld>
             <a:endParaRPr lang="en-CH"/>
           </a:p>
@@ -7819,7 +7819,7 @@
             <a:fld id="{5EC0B375-6A40-43D7-83C5-47D26144B495}" type="datetimeFigureOut">
               <a:rPr lang="en-CH" smtClean="0"/>
               <a:pPr/>
-              <a:t>18/12/2023</a:t>
+              <a:t>04/01/2024</a:t>
             </a:fld>
             <a:endParaRPr lang="en-CH"/>
           </a:p>
@@ -7963,7 +7963,7 @@
             <a:fld id="{5EC0B375-6A40-43D7-83C5-47D26144B495}" type="datetimeFigureOut">
               <a:rPr lang="en-CH" smtClean="0"/>
               <a:pPr/>
-              <a:t>18/12/2023</a:t>
+              <a:t>04/01/2024</a:t>
             </a:fld>
             <a:endParaRPr lang="en-CH"/>
           </a:p>
@@ -8254,7 +8254,7 @@
             <a:fld id="{5EC0B375-6A40-43D7-83C5-47D26144B495}" type="datetimeFigureOut">
               <a:rPr lang="en-CH" smtClean="0"/>
               <a:pPr/>
-              <a:t>18/12/2023</a:t>
+              <a:t>04/01/2024</a:t>
             </a:fld>
             <a:endParaRPr lang="en-CH"/>
           </a:p>
@@ -8536,7 +8536,7 @@
             <a:fld id="{5EC0B375-6A40-43D7-83C5-47D26144B495}" type="datetimeFigureOut">
               <a:rPr lang="en-CH" smtClean="0"/>
               <a:pPr/>
-              <a:t>18/12/2023</a:t>
+              <a:t>04/01/2024</a:t>
             </a:fld>
             <a:endParaRPr lang="en-CH"/>
           </a:p>
@@ -8906,7 +8906,7 @@
             <a:fld id="{5EC0B375-6A40-43D7-83C5-47D26144B495}" type="datetimeFigureOut">
               <a:rPr lang="en-CH" smtClean="0"/>
               <a:pPr/>
-              <a:t>18/12/2023</a:t>
+              <a:t>04/01/2024</a:t>
             </a:fld>
             <a:endParaRPr lang="en-CH"/>
           </a:p>
@@ -9492,7 +9492,7 @@
             <a:fld id="{5EC0B375-6A40-43D7-83C5-47D26144B495}" type="datetimeFigureOut">
               <a:rPr lang="en-CH" smtClean="0"/>
               <a:pPr/>
-              <a:t>18/12/2023</a:t>
+              <a:t>04/01/2024</a:t>
             </a:fld>
             <a:endParaRPr lang="en-CH"/>
           </a:p>
@@ -9785,7 +9785,7 @@
             <a:fld id="{5EC0B375-6A40-43D7-83C5-47D26144B495}" type="datetimeFigureOut">
               <a:rPr lang="en-CH" smtClean="0"/>
               <a:pPr/>
-              <a:t>18/12/2023</a:t>
+              <a:t>04/01/2024</a:t>
             </a:fld>
             <a:endParaRPr lang="en-CH"/>
           </a:p>
@@ -10407,7 +10407,7 @@
             <a:fld id="{5EC0B375-6A40-43D7-83C5-47D26144B495}" type="datetimeFigureOut">
               <a:rPr lang="en-CH" smtClean="0"/>
               <a:pPr/>
-              <a:t>18/12/2023</a:t>
+              <a:t>04/01/2024</a:t>
             </a:fld>
             <a:endParaRPr lang="en-CH"/>
           </a:p>
@@ -10987,7 +10987,7 @@
             <a:fld id="{5EC0B375-6A40-43D7-83C5-47D26144B495}" type="datetimeFigureOut">
               <a:rPr lang="en-CH" smtClean="0"/>
               <a:pPr/>
-              <a:t>18/12/2023</a:t>
+              <a:t>04/01/2024</a:t>
             </a:fld>
             <a:endParaRPr lang="en-CH"/>
           </a:p>
@@ -14389,8 +14389,8 @@
           </a:p>
         </p:txBody>
       </p:sp>
-      <mc:AlternateContent xmlns:mc="http://schemas.openxmlformats.org/markup-compatibility/2006">
-        <mc:Choice xmlns:a14="http://schemas.microsoft.com/office/drawing/2010/main" Requires="a14">
+      <mc:AlternateContent xmlns:mc="http://schemas.openxmlformats.org/markup-compatibility/2006" xmlns:a14="http://schemas.microsoft.com/office/drawing/2010/main">
+        <mc:Choice Requires="a14">
           <p:sp>
             <p:nvSpPr>
               <p:cNvPr id="5" name="Content Placeholder 4">
@@ -14874,7 +14874,7 @@
             </p:txBody>
           </p:sp>
         </mc:Choice>
-        <mc:Fallback>
+        <mc:Fallback xmlns="">
           <p:sp>
             <p:nvSpPr>
               <p:cNvPr id="5" name="Content Placeholder 4">
@@ -15060,8 +15060,8 @@
           </a:extLst>
         </p:spPr>
       </p:pic>
-      <mc:AlternateContent xmlns:mc="http://schemas.openxmlformats.org/markup-compatibility/2006">
-        <mc:Choice xmlns:a14="http://schemas.microsoft.com/office/drawing/2010/main" Requires="a14">
+      <mc:AlternateContent xmlns:mc="http://schemas.openxmlformats.org/markup-compatibility/2006" xmlns:a14="http://schemas.microsoft.com/office/drawing/2010/main">
+        <mc:Choice Requires="a14">
           <p:sp>
             <p:nvSpPr>
               <p:cNvPr id="8" name="TextBox 7">
@@ -15121,13 +15121,7 @@
                             <a:rPr lang="en-CH" sz="2000" i="0">
                               <a:latin typeface="Cambria Math" panose="02040503050406030204" pitchFamily="18" charset="0"/>
                             </a:rPr>
-                            <m:t>1</m:t>
-                          </m:r>
-                          <m:r>
-                            <a:rPr lang="en-CH" sz="2000" i="0">
-                              <a:latin typeface="Cambria Math" panose="02040503050406030204" pitchFamily="18" charset="0"/>
-                            </a:rPr>
-                            <m:t>+</m:t>
+                            <m:t>1+</m:t>
                           </m:r>
                           <m:r>
                             <m:rPr>
@@ -15177,13 +15171,7 @@
                             <a:rPr lang="en-CH" sz="2000" i="0">
                               <a:latin typeface="Cambria Math" panose="02040503050406030204" pitchFamily="18" charset="0"/>
                             </a:rPr>
-                            <m:t>1</m:t>
-                          </m:r>
-                          <m:r>
-                            <a:rPr lang="en-CH" sz="2000" i="0">
-                              <a:latin typeface="Cambria Math" panose="02040503050406030204" pitchFamily="18" charset="0"/>
-                            </a:rPr>
-                            <m:t>+</m:t>
+                            <m:t>1+</m:t>
                           </m:r>
                           <m:r>
                             <m:rPr>
@@ -15215,13 +15203,7 @@
                             <a:rPr lang="en-CH" sz="2000" i="0">
                               <a:latin typeface="Cambria Math" panose="02040503050406030204" pitchFamily="18" charset="0"/>
                             </a:rPr>
-                            <m:t>1</m:t>
-                          </m:r>
-                          <m:r>
-                            <a:rPr lang="en-CH" sz="2000" i="0">
-                              <a:latin typeface="Cambria Math" panose="02040503050406030204" pitchFamily="18" charset="0"/>
-                            </a:rPr>
-                            <m:t>+</m:t>
+                            <m:t>1+</m:t>
                           </m:r>
                           <m:sSub>
                             <m:sSubPr>
@@ -15301,13 +15283,7 @@
                             <a:rPr lang="en-CH" sz="2000" i="0">
                               <a:latin typeface="Cambria Math" panose="02040503050406030204" pitchFamily="18" charset="0"/>
                             </a:rPr>
-                            <m:t>1</m:t>
-                          </m:r>
-                          <m:r>
-                            <a:rPr lang="en-CH" sz="2000" i="0">
-                              <a:latin typeface="Cambria Math" panose="02040503050406030204" pitchFamily="18" charset="0"/>
-                            </a:rPr>
-                            <m:t>+</m:t>
+                            <m:t>1+</m:t>
                           </m:r>
                           <m:sSub>
                             <m:sSubPr>
@@ -15365,7 +15341,7 @@
             </p:txBody>
           </p:sp>
         </mc:Choice>
-        <mc:Fallback>
+        <mc:Fallback xmlns="">
           <p:sp>
             <p:nvSpPr>
               <p:cNvPr id="8" name="TextBox 7">
@@ -16645,7 +16621,7 @@
 </file>
 
 <file path=ppt/slides/slide4.xml><?xml version="1.0" encoding="utf-8"?>
-<p:sld xmlns:a="http://schemas.openxmlformats.org/drawingml/2006/main" xmlns:r="http://schemas.openxmlformats.org/officeDocument/2006/relationships" xmlns:p="http://schemas.openxmlformats.org/presentationml/2006/main">
+<p:sld xmlns:a="http://schemas.openxmlformats.org/drawingml/2006/main" xmlns:r="http://schemas.openxmlformats.org/officeDocument/2006/relationships" xmlns:p="http://schemas.openxmlformats.org/presentationml/2006/main" show="0">
   <p:cSld>
     <p:spTree>
       <p:nvGrpSpPr>
@@ -16696,8 +16672,8 @@
           </a:p>
         </p:txBody>
       </p:sp>
-      <mc:AlternateContent xmlns:mc="http://schemas.openxmlformats.org/markup-compatibility/2006">
-        <mc:Choice xmlns:pslz="http://schemas.microsoft.com/office/powerpoint/2016/slidezoom" Requires="pslz">
+      <mc:AlternateContent xmlns:mc="http://schemas.openxmlformats.org/markup-compatibility/2006" xmlns:pslz="http://schemas.microsoft.com/office/powerpoint/2016/slidezoom">
+        <mc:Choice Requires="pslz">
           <p:graphicFrame>
             <p:nvGraphicFramePr>
               <p:cNvPr id="6" name="Slide Zoom 5">
@@ -16754,7 +16730,7 @@
             </a:graphic>
           </p:graphicFrame>
         </mc:Choice>
-        <mc:Fallback>
+        <mc:Fallback xmlns="">
           <p:pic>
             <p:nvPicPr>
               <p:cNvPr id="6" name="Slide Zoom 5">
@@ -16771,7 +16747,7 @@
               <p:nvPr/>
             </p:nvPicPr>
             <p:blipFill>
-              <a:blip r:embed="rId2"/>
+              <a:blip r:embed="rId4"/>
               <a:stretch>
                 <a:fillRect/>
               </a:stretch>
@@ -16793,8 +16769,8 @@
           </p:pic>
         </mc:Fallback>
       </mc:AlternateContent>
-      <mc:AlternateContent xmlns:mc="http://schemas.openxmlformats.org/markup-compatibility/2006">
-        <mc:Choice xmlns:pslz="http://schemas.microsoft.com/office/powerpoint/2016/slidezoom" Requires="pslz">
+      <mc:AlternateContent xmlns:mc="http://schemas.openxmlformats.org/markup-compatibility/2006" xmlns:pslz="http://schemas.microsoft.com/office/powerpoint/2016/slidezoom">
+        <mc:Choice Requires="pslz">
           <p:graphicFrame>
             <p:nvGraphicFramePr>
               <p:cNvPr id="8" name="Slide Zoom 7">
@@ -16825,7 +16801,7 @@
                   <pslz:sldZmObj sldId="283" cId="4091005000">
                     <pslz:zmPr id="{00A42617-3CEE-4AF5-8DB5-29347A092379}" returnToParent="0" transitionDur="1000">
                       <p166:blipFill xmlns:p166="http://schemas.microsoft.com/office/powerpoint/2016/6/main">
-                        <a:blip r:embed="rId4"/>
+                        <a:blip r:embed="rId5"/>
                         <a:stretch>
                           <a:fillRect/>
                         </a:stretch>
@@ -16851,11 +16827,11 @@
             </a:graphic>
           </p:graphicFrame>
         </mc:Choice>
-        <mc:Fallback>
+        <mc:Fallback xmlns="">
           <p:pic>
             <p:nvPicPr>
               <p:cNvPr id="8" name="Slide Zoom 7">
-                <a:hlinkClick r:id="rId5" action="ppaction://hlinksldjump"/>
+                <a:hlinkClick r:id="rId6" action="ppaction://hlinksldjump"/>
                 <a:extLst>
                   <a:ext uri="{FF2B5EF4-FFF2-40B4-BE49-F238E27FC236}">
                     <a16:creationId xmlns:a16="http://schemas.microsoft.com/office/drawing/2014/main" id="{FCF3E6CD-2BF9-89C0-E852-6A4F41744649}"/>
@@ -16868,7 +16844,7 @@
               <p:nvPr/>
             </p:nvPicPr>
             <p:blipFill>
-              <a:blip r:embed="rId4"/>
+              <a:blip r:embed="rId7"/>
               <a:stretch>
                 <a:fillRect/>
               </a:stretch>
@@ -16890,8 +16866,8 @@
           </p:pic>
         </mc:Fallback>
       </mc:AlternateContent>
-      <mc:AlternateContent xmlns:mc="http://schemas.openxmlformats.org/markup-compatibility/2006">
-        <mc:Choice xmlns:pslz="http://schemas.microsoft.com/office/powerpoint/2016/slidezoom" Requires="pslz">
+      <mc:AlternateContent xmlns:mc="http://schemas.openxmlformats.org/markup-compatibility/2006" xmlns:pslz="http://schemas.microsoft.com/office/powerpoint/2016/slidezoom">
+        <mc:Choice Requires="pslz">
           <p:graphicFrame>
             <p:nvGraphicFramePr>
               <p:cNvPr id="10" name="Slide Zoom 9">
@@ -16922,7 +16898,7 @@
                   <pslz:sldZmObj sldId="284" cId="1781745739">
                     <pslz:zmPr id="{72026D1B-30F2-4E61-9EC6-3610CEA576AA}" returnToParent="0" transitionDur="1000">
                       <p166:blipFill xmlns:p166="http://schemas.microsoft.com/office/powerpoint/2016/6/main">
-                        <a:blip r:embed="rId6"/>
+                        <a:blip r:embed="rId8"/>
                         <a:stretch>
                           <a:fillRect/>
                         </a:stretch>
@@ -16948,11 +16924,11 @@
             </a:graphic>
           </p:graphicFrame>
         </mc:Choice>
-        <mc:Fallback>
+        <mc:Fallback xmlns="">
           <p:pic>
             <p:nvPicPr>
               <p:cNvPr id="10" name="Slide Zoom 9">
-                <a:hlinkClick r:id="rId7" action="ppaction://hlinksldjump"/>
+                <a:hlinkClick r:id="rId9" action="ppaction://hlinksldjump"/>
                 <a:extLst>
                   <a:ext uri="{FF2B5EF4-FFF2-40B4-BE49-F238E27FC236}">
                     <a16:creationId xmlns:a16="http://schemas.microsoft.com/office/drawing/2014/main" id="{5D66E8DD-616C-C248-BE5D-FCDD75AB4BD4}"/>
@@ -16965,7 +16941,7 @@
               <p:nvPr/>
             </p:nvPicPr>
             <p:blipFill>
-              <a:blip r:embed="rId6"/>
+              <a:blip r:embed="rId10"/>
               <a:stretch>
                 <a:fillRect/>
               </a:stretch>
@@ -16987,8 +16963,8 @@
           </p:pic>
         </mc:Fallback>
       </mc:AlternateContent>
-      <mc:AlternateContent xmlns:mc="http://schemas.openxmlformats.org/markup-compatibility/2006">
-        <mc:Choice xmlns:pslz="http://schemas.microsoft.com/office/powerpoint/2016/slidezoom" Requires="pslz">
+      <mc:AlternateContent xmlns:mc="http://schemas.openxmlformats.org/markup-compatibility/2006" xmlns:pslz="http://schemas.microsoft.com/office/powerpoint/2016/slidezoom">
+        <mc:Choice Requires="pslz">
           <p:graphicFrame>
             <p:nvGraphicFramePr>
               <p:cNvPr id="12" name="Slide Zoom 11">
@@ -17019,7 +16995,7 @@
                   <pslz:sldZmObj sldId="285" cId="3181308018">
                     <pslz:zmPr id="{CB27466C-F0F7-40B6-95A6-7383BD7738AE}" returnToParent="0" transitionDur="1000">
                       <p166:blipFill xmlns:p166="http://schemas.microsoft.com/office/powerpoint/2016/6/main">
-                        <a:blip r:embed="rId8"/>
+                        <a:blip r:embed="rId11"/>
                         <a:stretch>
                           <a:fillRect/>
                         </a:stretch>
@@ -17045,11 +17021,11 @@
             </a:graphic>
           </p:graphicFrame>
         </mc:Choice>
-        <mc:Fallback>
+        <mc:Fallback xmlns="">
           <p:pic>
             <p:nvPicPr>
               <p:cNvPr id="12" name="Slide Zoom 11">
-                <a:hlinkClick r:id="rId9" action="ppaction://hlinksldjump"/>
+                <a:hlinkClick r:id="rId12" action="ppaction://hlinksldjump"/>
                 <a:extLst>
                   <a:ext uri="{FF2B5EF4-FFF2-40B4-BE49-F238E27FC236}">
                     <a16:creationId xmlns:a16="http://schemas.microsoft.com/office/drawing/2014/main" id="{E82F2EED-AA42-8496-99E6-5ED1AA879A7A}"/>
@@ -17062,7 +17038,7 @@
               <p:nvPr/>
             </p:nvPicPr>
             <p:blipFill>
-              <a:blip r:embed="rId8"/>
+              <a:blip r:embed="rId13"/>
               <a:stretch>
                 <a:fillRect/>
               </a:stretch>
@@ -18827,53 +18803,6 @@
           </p:sp>
         </mc:Fallback>
       </mc:AlternateContent>
-      <p:pic>
-        <p:nvPicPr>
-          <p:cNvPr id="5" name="Content Placeholder 2">
-            <a:extLst>
-              <a:ext uri="{FF2B5EF4-FFF2-40B4-BE49-F238E27FC236}">
-                <a16:creationId xmlns:a16="http://schemas.microsoft.com/office/drawing/2014/main" id="{7F8FCFD7-346D-ED2A-EB27-AD1DEA06EA5C}"/>
-              </a:ext>
-            </a:extLst>
-          </p:cNvPr>
-          <p:cNvPicPr>
-            <a:picLocks noChangeAspect="1" noChangeArrowheads="1"/>
-          </p:cNvPicPr>
-          <p:nvPr/>
-        </p:nvPicPr>
-        <p:blipFill>
-          <a:blip r:embed="rId4">
-            <a:extLst>
-              <a:ext uri="{28A0092B-C50C-407E-A947-70E740481C1C}">
-                <a14:useLocalDpi xmlns:a14="http://schemas.microsoft.com/office/drawing/2010/main" val="0"/>
-              </a:ext>
-            </a:extLst>
-          </a:blip>
-          <a:srcRect/>
-          <a:stretch>
-            <a:fillRect/>
-          </a:stretch>
-        </p:blipFill>
-        <p:spPr bwMode="auto">
-          <a:xfrm>
-            <a:off x="1899100" y="986338"/>
-            <a:ext cx="3824262" cy="1080000"/>
-          </a:xfrm>
-          <a:prstGeom prst="rect">
-            <a:avLst/>
-          </a:prstGeom>
-          <a:noFill/>
-          <a:extLst>
-            <a:ext uri="{909E8E84-426E-40DD-AFC4-6F175D3DCCD1}">
-              <a14:hiddenFill xmlns:a14="http://schemas.microsoft.com/office/drawing/2010/main">
-                <a:solidFill>
-                  <a:srgbClr val="FFFFFF"/>
-                </a:solidFill>
-              </a14:hiddenFill>
-            </a:ext>
-          </a:extLst>
-        </p:spPr>
-      </p:pic>
       <p:grpSp>
         <p:nvGrpSpPr>
           <p:cNvPr id="23" name="Group 22">
@@ -19585,6 +19514,53 @@
           </p:style>
         </p:cxnSp>
       </p:grpSp>
+      <p:pic>
+        <p:nvPicPr>
+          <p:cNvPr id="3" name="Content Placeholder 2">
+            <a:extLst>
+              <a:ext uri="{FF2B5EF4-FFF2-40B4-BE49-F238E27FC236}">
+                <a16:creationId xmlns:a16="http://schemas.microsoft.com/office/drawing/2014/main" id="{367D9AEB-4C00-D8C1-84F7-B0D89D6C4F2C}"/>
+              </a:ext>
+            </a:extLst>
+          </p:cNvPr>
+          <p:cNvPicPr>
+            <a:picLocks noChangeAspect="1" noChangeArrowheads="1"/>
+          </p:cNvPicPr>
+          <p:nvPr/>
+        </p:nvPicPr>
+        <p:blipFill>
+          <a:blip r:embed="rId8">
+            <a:extLst>
+              <a:ext uri="{28A0092B-C50C-407E-A947-70E740481C1C}">
+                <a14:useLocalDpi xmlns:a14="http://schemas.microsoft.com/office/drawing/2010/main" val="0"/>
+              </a:ext>
+            </a:extLst>
+          </a:blip>
+          <a:srcRect/>
+          <a:stretch>
+            <a:fillRect/>
+          </a:stretch>
+        </p:blipFill>
+        <p:spPr bwMode="auto">
+          <a:xfrm>
+            <a:off x="913110" y="1032262"/>
+            <a:ext cx="3748888" cy="1058714"/>
+          </a:xfrm>
+          <a:prstGeom prst="rect">
+            <a:avLst/>
+          </a:prstGeom>
+          <a:noFill/>
+          <a:extLst>
+            <a:ext uri="{909E8E84-426E-40DD-AFC4-6F175D3DCCD1}">
+              <a14:hiddenFill xmlns:a14="http://schemas.microsoft.com/office/drawing/2010/main">
+                <a:solidFill>
+                  <a:srgbClr val="FFFFFF"/>
+                </a:solidFill>
+              </a14:hiddenFill>
+            </a:ext>
+          </a:extLst>
+        </p:spPr>
+      </p:pic>
     </p:spTree>
     <p:extLst>
       <p:ext uri="{BB962C8B-B14F-4D97-AF65-F5344CB8AC3E}">
